--- a/v3_f0_250320_lab_meeting_presentation__removed_minus_models_qq_plot.pptx
+++ b/v3_f0_250320_lab_meeting_presentation__removed_minus_models_qq_plot.pptx
@@ -18,8 +18,8 @@
     <p:sldId id="262" r:id="rId9"/>
     <p:sldId id="290" r:id="rId10"/>
     <p:sldId id="292" r:id="rId11"/>
-    <p:sldId id="293" r:id="rId12"/>
-    <p:sldId id="276" r:id="rId13"/>
+    <p:sldId id="276" r:id="rId12"/>
+    <p:sldId id="293" r:id="rId13"/>
     <p:sldId id="278" r:id="rId14"/>
     <p:sldId id="285" r:id="rId15"/>
     <p:sldId id="288" r:id="rId16"/>
@@ -217,7 +217,7 @@
           <a:p>
             <a:fld id="{C9CD8F35-72AB-C54D-9C46-A21E386716F6}" type="datetimeFigureOut">
               <a:rPr lang="en-US" smtClean="0"/>
-              <a:t>3/19/25</a:t>
+              <a:t>3/20/25</a:t>
             </a:fld>
             <a:endParaRPr lang="en-US"/>
           </a:p>
@@ -850,7 +850,7 @@
           <a:p>
             <a:fld id="{6FD406C5-EEF2-D74A-9B05-FDC0980A8E37}" type="slidenum">
               <a:rPr lang="en-US" smtClean="0"/>
-              <a:t>12</a:t>
+              <a:t>11</a:t>
             </a:fld>
             <a:endParaRPr lang="en-US"/>
           </a:p>
@@ -1233,7 +1233,7 @@
           <a:p>
             <a:fld id="{EBDB8803-1A59-784B-9869-1D9335E0E3B0}" type="datetimeFigureOut">
               <a:rPr lang="en-US" smtClean="0"/>
-              <a:t>3/19/25</a:t>
+              <a:t>3/20/25</a:t>
             </a:fld>
             <a:endParaRPr lang="en-US"/>
           </a:p>
@@ -1431,7 +1431,7 @@
           <a:p>
             <a:fld id="{EBDB8803-1A59-784B-9869-1D9335E0E3B0}" type="datetimeFigureOut">
               <a:rPr lang="en-US" smtClean="0"/>
-              <a:t>3/19/25</a:t>
+              <a:t>3/20/25</a:t>
             </a:fld>
             <a:endParaRPr lang="en-US"/>
           </a:p>
@@ -1639,7 +1639,7 @@
           <a:p>
             <a:fld id="{EBDB8803-1A59-784B-9869-1D9335E0E3B0}" type="datetimeFigureOut">
               <a:rPr lang="en-US" smtClean="0"/>
-              <a:t>3/19/25</a:t>
+              <a:t>3/20/25</a:t>
             </a:fld>
             <a:endParaRPr lang="en-US"/>
           </a:p>
@@ -1837,7 +1837,7 @@
           <a:p>
             <a:fld id="{EBDB8803-1A59-784B-9869-1D9335E0E3B0}" type="datetimeFigureOut">
               <a:rPr lang="en-US" smtClean="0"/>
-              <a:t>3/19/25</a:t>
+              <a:t>3/20/25</a:t>
             </a:fld>
             <a:endParaRPr lang="en-US"/>
           </a:p>
@@ -2112,7 +2112,7 @@
           <a:p>
             <a:fld id="{EBDB8803-1A59-784B-9869-1D9335E0E3B0}" type="datetimeFigureOut">
               <a:rPr lang="en-US" smtClean="0"/>
-              <a:t>3/19/25</a:t>
+              <a:t>3/20/25</a:t>
             </a:fld>
             <a:endParaRPr lang="en-US"/>
           </a:p>
@@ -2377,7 +2377,7 @@
           <a:p>
             <a:fld id="{EBDB8803-1A59-784B-9869-1D9335E0E3B0}" type="datetimeFigureOut">
               <a:rPr lang="en-US" smtClean="0"/>
-              <a:t>3/19/25</a:t>
+              <a:t>3/20/25</a:t>
             </a:fld>
             <a:endParaRPr lang="en-US"/>
           </a:p>
@@ -2789,7 +2789,7 @@
           <a:p>
             <a:fld id="{EBDB8803-1A59-784B-9869-1D9335E0E3B0}" type="datetimeFigureOut">
               <a:rPr lang="en-US" smtClean="0"/>
-              <a:t>3/19/25</a:t>
+              <a:t>3/20/25</a:t>
             </a:fld>
             <a:endParaRPr lang="en-US"/>
           </a:p>
@@ -2930,7 +2930,7 @@
           <a:p>
             <a:fld id="{EBDB8803-1A59-784B-9869-1D9335E0E3B0}" type="datetimeFigureOut">
               <a:rPr lang="en-US" smtClean="0"/>
-              <a:t>3/19/25</a:t>
+              <a:t>3/20/25</a:t>
             </a:fld>
             <a:endParaRPr lang="en-US"/>
           </a:p>
@@ -3043,7 +3043,7 @@
           <a:p>
             <a:fld id="{EBDB8803-1A59-784B-9869-1D9335E0E3B0}" type="datetimeFigureOut">
               <a:rPr lang="en-US" smtClean="0"/>
-              <a:t>3/19/25</a:t>
+              <a:t>3/20/25</a:t>
             </a:fld>
             <a:endParaRPr lang="en-US"/>
           </a:p>
@@ -3354,7 +3354,7 @@
           <a:p>
             <a:fld id="{EBDB8803-1A59-784B-9869-1D9335E0E3B0}" type="datetimeFigureOut">
               <a:rPr lang="en-US" smtClean="0"/>
-              <a:t>3/19/25</a:t>
+              <a:t>3/20/25</a:t>
             </a:fld>
             <a:endParaRPr lang="en-US"/>
           </a:p>
@@ -3642,7 +3642,7 @@
           <a:p>
             <a:fld id="{EBDB8803-1A59-784B-9869-1D9335E0E3B0}" type="datetimeFigureOut">
               <a:rPr lang="en-US" smtClean="0"/>
-              <a:t>3/19/25</a:t>
+              <a:t>3/20/25</a:t>
             </a:fld>
             <a:endParaRPr lang="en-US"/>
           </a:p>
@@ -3883,7 +3883,7 @@
           <a:p>
             <a:fld id="{EBDB8803-1A59-784B-9869-1D9335E0E3B0}" type="datetimeFigureOut">
               <a:rPr lang="en-US" smtClean="0"/>
-              <a:t>3/19/25</a:t>
+              <a:t>3/20/25</a:t>
             </a:fld>
             <a:endParaRPr lang="en-US"/>
           </a:p>
@@ -5100,8 +5100,8 @@
           <a:chExt cx="0" cy="0"/>
         </a:xfrm>
       </p:grpSpPr>
-      <mc:AlternateContent xmlns:mc="http://schemas.openxmlformats.org/markup-compatibility/2006">
-        <mc:Choice xmlns:a14="http://schemas.microsoft.com/office/drawing/2010/main" Requires="a14">
+      <mc:AlternateContent xmlns:mc="http://schemas.openxmlformats.org/markup-compatibility/2006" xmlns:a14="http://schemas.microsoft.com/office/drawing/2010/main">
+        <mc:Choice Requires="a14">
           <p:sp>
             <p:nvSpPr>
               <p:cNvPr id="2" name="Title 1">
@@ -5452,7 +5452,7 @@
             </p:txBody>
           </p:sp>
         </mc:Choice>
-        <mc:Fallback>
+        <mc:Fallback xmlns="">
           <p:sp>
             <p:nvSpPr>
               <p:cNvPr id="2" name="Title 1">
@@ -5546,6 +5546,602 @@
         <p:cNvPr id="1" name="">
           <a:extLst>
             <a:ext uri="{FF2B5EF4-FFF2-40B4-BE49-F238E27FC236}">
+              <a16:creationId xmlns:a16="http://schemas.microsoft.com/office/drawing/2014/main" id="{517E18DB-182E-D9AB-326D-DA7DB380F31B}"/>
+            </a:ext>
+          </a:extLst>
+        </p:cNvPr>
+        <p:cNvGrpSpPr/>
+        <p:nvPr/>
+      </p:nvGrpSpPr>
+      <p:grpSpPr>
+        <a:xfrm>
+          <a:off x="0" y="0"/>
+          <a:ext cx="0" cy="0"/>
+          <a:chOff x="0" y="0"/>
+          <a:chExt cx="0" cy="0"/>
+        </a:xfrm>
+      </p:grpSpPr>
+      <p:sp>
+        <p:nvSpPr>
+          <p:cNvPr id="8" name="TextBox 7">
+            <a:extLst>
+              <a:ext uri="{FF2B5EF4-FFF2-40B4-BE49-F238E27FC236}">
+                <a16:creationId xmlns:a16="http://schemas.microsoft.com/office/drawing/2014/main" id="{A8DE3592-4B8D-D31D-419F-D71023B5221D}"/>
+              </a:ext>
+            </a:extLst>
+          </p:cNvPr>
+          <p:cNvSpPr txBox="1"/>
+          <p:nvPr/>
+        </p:nvSpPr>
+        <p:spPr>
+          <a:xfrm>
+            <a:off x="638882" y="639193"/>
+            <a:ext cx="3571810" cy="3573516"/>
+          </a:xfrm>
+          <a:prstGeom prst="rect">
+            <a:avLst/>
+          </a:prstGeom>
+        </p:spPr>
+        <p:txBody>
+          <a:bodyPr vert="horz" lIns="91440" tIns="45720" rIns="91440" bIns="45720" rtlCol="0" anchor="b">
+            <a:normAutofit/>
+          </a:bodyPr>
+          <a:lstStyle/>
+          <a:p>
+            <a:pPr>
+              <a:lnSpc>
+                <a:spcPct val="90000"/>
+              </a:lnSpc>
+              <a:spcBef>
+                <a:spcPct val="0"/>
+              </a:spcBef>
+              <a:spcAft>
+                <a:spcPts val="600"/>
+              </a:spcAft>
+            </a:pPr>
+            <a:endParaRPr lang="en-US" sz="6600" kern="1200" dirty="0">
+              <a:solidFill>
+                <a:schemeClr val="tx1"/>
+              </a:solidFill>
+              <a:latin typeface="+mj-lt"/>
+              <a:ea typeface="+mj-ea"/>
+              <a:cs typeface="+mj-cs"/>
+            </a:endParaRPr>
+          </a:p>
+        </p:txBody>
+      </p:sp>
+      <mc:AlternateContent xmlns:mc="http://schemas.openxmlformats.org/markup-compatibility/2006" xmlns:a14="http://schemas.microsoft.com/office/drawing/2010/main">
+        <mc:Choice Requires="a14">
+          <p:sp>
+            <p:nvSpPr>
+              <p:cNvPr id="7" name="TextBox 6">
+                <a:extLst>
+                  <a:ext uri="{FF2B5EF4-FFF2-40B4-BE49-F238E27FC236}">
+                    <a16:creationId xmlns:a16="http://schemas.microsoft.com/office/drawing/2014/main" id="{D7DC3365-01B9-D670-9390-201F1B833E5E}"/>
+                  </a:ext>
+                </a:extLst>
+              </p:cNvPr>
+              <p:cNvSpPr txBox="1"/>
+              <p:nvPr/>
+            </p:nvSpPr>
+            <p:spPr>
+              <a:xfrm>
+                <a:off x="356436" y="269861"/>
+                <a:ext cx="8773298" cy="738664"/>
+              </a:xfrm>
+              <a:prstGeom prst="rect">
+                <a:avLst/>
+              </a:prstGeom>
+              <a:noFill/>
+            </p:spPr>
+            <p:txBody>
+              <a:bodyPr wrap="square" rtlCol="0">
+                <a:spAutoFit/>
+              </a:bodyPr>
+              <a:lstStyle/>
+              <a:p>
+                <a:r>
+                  <a:rPr lang="en-US" sz="2400" dirty="0">
+                    <a:latin typeface="Times New Roman" panose="02020603050405020304" pitchFamily="18" charset="0"/>
+                    <a:cs typeface="Times New Roman" panose="02020603050405020304" pitchFamily="18" charset="0"/>
+                  </a:rPr>
+                  <a:t>What if we use imputed dosages instead of hard-calls?</a:t>
+                </a:r>
+              </a:p>
+              <a:p>
+                <a:r>
+                  <a:rPr lang="en-US" dirty="0">
+                    <a:latin typeface="Times New Roman" panose="02020603050405020304" pitchFamily="18" charset="0"/>
+                    <a:cs typeface="Times New Roman" panose="02020603050405020304" pitchFamily="18" charset="0"/>
+                  </a:rPr>
+                  <a:t>Minus Models,  </a:t>
+                </a:r>
+                <a14:m>
+                  <m:oMath xmlns:m="http://schemas.openxmlformats.org/officeDocument/2006/math">
+                    <m:sSub>
+                      <m:sSubPr>
+                        <m:ctrlPr>
+                          <a:rPr lang="en-US" i="1" smtClean="0">
+                            <a:latin typeface="Cambria Math" panose="02040503050406030204" pitchFamily="18" charset="0"/>
+                            <a:ea typeface="Aptos" panose="020B0004020202020204" pitchFamily="34" charset="0"/>
+                            <a:cs typeface="Arial" panose="020B0604020202020204" pitchFamily="34" charset="0"/>
+                          </a:rPr>
+                        </m:ctrlPr>
+                      </m:sSubPr>
+                      <m:e>
+                        <m:r>
+                          <m:rPr>
+                            <m:sty m:val="p"/>
+                          </m:rPr>
+                          <a:rPr lang="en-US">
+                            <a:latin typeface="Cambria Math" panose="02040503050406030204" pitchFamily="18" charset="0"/>
+                            <a:ea typeface="Aptos" panose="020B0004020202020204" pitchFamily="34" charset="0"/>
+                            <a:cs typeface="Arial" panose="020B0604020202020204" pitchFamily="34" charset="0"/>
+                          </a:rPr>
+                          <m:t>g</m:t>
+                        </m:r>
+                      </m:e>
+                      <m:sub>
+                        <m:r>
+                          <m:rPr>
+                            <m:sty m:val="p"/>
+                          </m:rPr>
+                          <a:rPr lang="en-US">
+                            <a:latin typeface="Cambria Math" panose="02040503050406030204" pitchFamily="18" charset="0"/>
+                            <a:ea typeface="Aptos" panose="020B0004020202020204" pitchFamily="34" charset="0"/>
+                            <a:cs typeface="Arial" panose="020B0604020202020204" pitchFamily="34" charset="0"/>
+                          </a:rPr>
+                          <m:t>i</m:t>
+                        </m:r>
+                        <m:r>
+                          <a:rPr lang="en-US">
+                            <a:latin typeface="Cambria Math" panose="02040503050406030204" pitchFamily="18" charset="0"/>
+                            <a:ea typeface="Aptos" panose="020B0004020202020204" pitchFamily="34" charset="0"/>
+                            <a:cs typeface="Arial" panose="020B0604020202020204" pitchFamily="34" charset="0"/>
+                          </a:rPr>
+                          <m:t>1</m:t>
+                        </m:r>
+                      </m:sub>
+                    </m:sSub>
+                    <m:r>
+                      <a:rPr lang="en-US">
+                        <a:latin typeface="Cambria Math" panose="02040503050406030204" pitchFamily="18" charset="0"/>
+                        <a:ea typeface="Aptos" panose="020B0004020202020204" pitchFamily="34" charset="0"/>
+                        <a:cs typeface="Arial" panose="020B0604020202020204" pitchFamily="34" charset="0"/>
+                      </a:rPr>
+                      <m:t>−</m:t>
+                    </m:r>
+                    <m:sSub>
+                      <m:sSubPr>
+                        <m:ctrlPr>
+                          <a:rPr lang="en-US" i="1">
+                            <a:latin typeface="Cambria Math" panose="02040503050406030204" pitchFamily="18" charset="0"/>
+                            <a:ea typeface="Aptos" panose="020B0004020202020204" pitchFamily="34" charset="0"/>
+                            <a:cs typeface="Arial" panose="020B0604020202020204" pitchFamily="34" charset="0"/>
+                          </a:rPr>
+                        </m:ctrlPr>
+                      </m:sSubPr>
+                      <m:e>
+                        <m:r>
+                          <m:rPr>
+                            <m:sty m:val="p"/>
+                          </m:rPr>
+                          <a:rPr lang="en-US">
+                            <a:latin typeface="Cambria Math" panose="02040503050406030204" pitchFamily="18" charset="0"/>
+                            <a:ea typeface="Aptos" panose="020B0004020202020204" pitchFamily="34" charset="0"/>
+                            <a:cs typeface="Arial" panose="020B0604020202020204" pitchFamily="34" charset="0"/>
+                          </a:rPr>
+                          <m:t>g</m:t>
+                        </m:r>
+                      </m:e>
+                      <m:sub>
+                        <m:r>
+                          <m:rPr>
+                            <m:sty m:val="p"/>
+                          </m:rPr>
+                          <a:rPr lang="en-US">
+                            <a:latin typeface="Cambria Math" panose="02040503050406030204" pitchFamily="18" charset="0"/>
+                            <a:ea typeface="Aptos" panose="020B0004020202020204" pitchFamily="34" charset="0"/>
+                            <a:cs typeface="Arial" panose="020B0604020202020204" pitchFamily="34" charset="0"/>
+                          </a:rPr>
+                          <m:t>i</m:t>
+                        </m:r>
+                        <m:r>
+                          <a:rPr lang="en-US">
+                            <a:latin typeface="Cambria Math" panose="02040503050406030204" pitchFamily="18" charset="0"/>
+                            <a:ea typeface="Aptos" panose="020B0004020202020204" pitchFamily="34" charset="0"/>
+                            <a:cs typeface="Arial" panose="020B0604020202020204" pitchFamily="34" charset="0"/>
+                          </a:rPr>
+                          <m:t>2</m:t>
+                        </m:r>
+                      </m:sub>
+                    </m:sSub>
+                    <m:r>
+                      <a:rPr lang="en-US">
+                        <a:latin typeface="Cambria Math" panose="02040503050406030204" pitchFamily="18" charset="0"/>
+                        <a:ea typeface="Aptos" panose="020B0004020202020204" pitchFamily="34" charset="0"/>
+                        <a:cs typeface="Arial" panose="020B0604020202020204" pitchFamily="34" charset="0"/>
+                      </a:rPr>
+                      <m:t>=</m:t>
+                    </m:r>
+                    <m:r>
+                      <m:rPr>
+                        <m:sty m:val="p"/>
+                      </m:rPr>
+                      <a:rPr lang="en-US" b="0" i="0" smtClean="0">
+                        <a:latin typeface="Cambria Math" panose="02040503050406030204" pitchFamily="18" charset="0"/>
+                        <a:ea typeface="Aptos" panose="020B0004020202020204" pitchFamily="34" charset="0"/>
+                        <a:cs typeface="Arial" panose="020B0604020202020204" pitchFamily="34" charset="0"/>
+                      </a:rPr>
+                      <m:t>a</m:t>
+                    </m:r>
+                    <m:r>
+                      <a:rPr lang="en-US">
+                        <a:latin typeface="Cambria Math" panose="02040503050406030204" pitchFamily="18" charset="0"/>
+                        <a:ea typeface="Aptos" panose="020B0004020202020204" pitchFamily="34" charset="0"/>
+                        <a:cs typeface="Arial" panose="020B0604020202020204" pitchFamily="34" charset="0"/>
+                      </a:rPr>
+                      <m:t>+</m:t>
+                    </m:r>
+                    <m:r>
+                      <m:rPr>
+                        <m:sty m:val="p"/>
+                      </m:rPr>
+                      <a:rPr lang="en-US" b="0" i="0" smtClean="0">
+                        <a:latin typeface="Cambria Math" panose="02040503050406030204" pitchFamily="18" charset="0"/>
+                        <a:ea typeface="Aptos" panose="020B0004020202020204" pitchFamily="34" charset="0"/>
+                        <a:cs typeface="Arial" panose="020B0604020202020204" pitchFamily="34" charset="0"/>
+                      </a:rPr>
+                      <m:t>b</m:t>
+                    </m:r>
+                    <m:r>
+                      <a:rPr lang="en-US">
+                        <a:latin typeface="Cambria Math" panose="02040503050406030204" pitchFamily="18" charset="0"/>
+                        <a:ea typeface="Aptos" panose="020B0004020202020204" pitchFamily="34" charset="0"/>
+                        <a:cs typeface="Arial" panose="020B0604020202020204" pitchFamily="34" charset="0"/>
+                      </a:rPr>
+                      <m:t> (</m:t>
+                    </m:r>
+                    <m:sSub>
+                      <m:sSubPr>
+                        <m:ctrlPr>
+                          <a:rPr lang="en-US" i="1">
+                            <a:latin typeface="Cambria Math" panose="02040503050406030204" pitchFamily="18" charset="0"/>
+                            <a:ea typeface="Aptos" panose="020B0004020202020204" pitchFamily="34" charset="0"/>
+                            <a:cs typeface="Arial" panose="020B0604020202020204" pitchFamily="34" charset="0"/>
+                          </a:rPr>
+                        </m:ctrlPr>
+                      </m:sSubPr>
+                      <m:e>
+                        <m:acc>
+                          <m:accPr>
+                            <m:chr m:val="ˆ"/>
+                            <m:ctrlPr>
+                              <a:rPr lang="en-US" i="1">
+                                <a:latin typeface="Cambria Math" panose="02040503050406030204" pitchFamily="18" charset="0"/>
+                                <a:ea typeface="Aptos" panose="020B0004020202020204" pitchFamily="34" charset="0"/>
+                                <a:cs typeface="Arial" panose="020B0604020202020204" pitchFamily="34" charset="0"/>
+                              </a:rPr>
+                            </m:ctrlPr>
+                          </m:accPr>
+                          <m:e>
+                            <m:r>
+                              <m:rPr>
+                                <m:sty m:val="p"/>
+                              </m:rPr>
+                              <a:rPr lang="en-US">
+                                <a:latin typeface="Cambria Math" panose="02040503050406030204" pitchFamily="18" charset="0"/>
+                                <a:ea typeface="Aptos" panose="020B0004020202020204" pitchFamily="34" charset="0"/>
+                                <a:cs typeface="Arial" panose="020B0604020202020204" pitchFamily="34" charset="0"/>
+                              </a:rPr>
+                              <m:t>g</m:t>
+                            </m:r>
+                          </m:e>
+                        </m:acc>
+                      </m:e>
+                      <m:sub>
+                        <m:r>
+                          <m:rPr>
+                            <m:sty m:val="p"/>
+                          </m:rPr>
+                          <a:rPr lang="en-US">
+                            <a:latin typeface="Cambria Math" panose="02040503050406030204" pitchFamily="18" charset="0"/>
+                            <a:ea typeface="Aptos" panose="020B0004020202020204" pitchFamily="34" charset="0"/>
+                            <a:cs typeface="Arial" panose="020B0604020202020204" pitchFamily="34" charset="0"/>
+                          </a:rPr>
+                          <m:t>i</m:t>
+                        </m:r>
+                        <m:r>
+                          <a:rPr lang="en-US">
+                            <a:latin typeface="Cambria Math" panose="02040503050406030204" pitchFamily="18" charset="0"/>
+                            <a:ea typeface="Aptos" panose="020B0004020202020204" pitchFamily="34" charset="0"/>
+                            <a:cs typeface="Arial" panose="020B0604020202020204" pitchFamily="34" charset="0"/>
+                          </a:rPr>
+                          <m:t>1</m:t>
+                        </m:r>
+                      </m:sub>
+                    </m:sSub>
+                    <m:r>
+                      <a:rPr lang="en-US" b="0" i="0" smtClean="0">
+                        <a:latin typeface="Cambria Math" panose="02040503050406030204" pitchFamily="18" charset="0"/>
+                        <a:ea typeface="Aptos" panose="020B0004020202020204" pitchFamily="34" charset="0"/>
+                        <a:cs typeface="Arial" panose="020B0604020202020204" pitchFamily="34" charset="0"/>
+                      </a:rPr>
+                      <m:t>−</m:t>
+                    </m:r>
+                    <m:sSub>
+                      <m:sSubPr>
+                        <m:ctrlPr>
+                          <a:rPr lang="en-US" i="1">
+                            <a:latin typeface="Cambria Math" panose="02040503050406030204" pitchFamily="18" charset="0"/>
+                            <a:ea typeface="Aptos" panose="020B0004020202020204" pitchFamily="34" charset="0"/>
+                            <a:cs typeface="Arial" panose="020B0604020202020204" pitchFamily="34" charset="0"/>
+                          </a:rPr>
+                        </m:ctrlPr>
+                      </m:sSubPr>
+                      <m:e>
+                        <m:acc>
+                          <m:accPr>
+                            <m:chr m:val="ˆ"/>
+                            <m:ctrlPr>
+                              <a:rPr lang="en-US" i="1">
+                                <a:latin typeface="Cambria Math" panose="02040503050406030204" pitchFamily="18" charset="0"/>
+                                <a:ea typeface="Aptos" panose="020B0004020202020204" pitchFamily="34" charset="0"/>
+                                <a:cs typeface="Arial" panose="020B0604020202020204" pitchFamily="34" charset="0"/>
+                              </a:rPr>
+                            </m:ctrlPr>
+                          </m:accPr>
+                          <m:e>
+                            <m:r>
+                              <m:rPr>
+                                <m:sty m:val="p"/>
+                              </m:rPr>
+                              <a:rPr lang="en-US">
+                                <a:latin typeface="Cambria Math" panose="02040503050406030204" pitchFamily="18" charset="0"/>
+                                <a:ea typeface="Aptos" panose="020B0004020202020204" pitchFamily="34" charset="0"/>
+                                <a:cs typeface="Arial" panose="020B0604020202020204" pitchFamily="34" charset="0"/>
+                              </a:rPr>
+                              <m:t>g</m:t>
+                            </m:r>
+                          </m:e>
+                        </m:acc>
+                      </m:e>
+                      <m:sub>
+                        <m:r>
+                          <m:rPr>
+                            <m:sty m:val="p"/>
+                          </m:rPr>
+                          <a:rPr lang="en-US">
+                            <a:latin typeface="Cambria Math" panose="02040503050406030204" pitchFamily="18" charset="0"/>
+                            <a:ea typeface="Aptos" panose="020B0004020202020204" pitchFamily="34" charset="0"/>
+                            <a:cs typeface="Arial" panose="020B0604020202020204" pitchFamily="34" charset="0"/>
+                          </a:rPr>
+                          <m:t>i</m:t>
+                        </m:r>
+                        <m:r>
+                          <a:rPr lang="en-US">
+                            <a:latin typeface="Cambria Math" panose="02040503050406030204" pitchFamily="18" charset="0"/>
+                            <a:ea typeface="Aptos" panose="020B0004020202020204" pitchFamily="34" charset="0"/>
+                            <a:cs typeface="Arial" panose="020B0604020202020204" pitchFamily="34" charset="0"/>
+                          </a:rPr>
+                          <m:t>2</m:t>
+                        </m:r>
+                      </m:sub>
+                    </m:sSub>
+                    <m:r>
+                      <a:rPr lang="en-US">
+                        <a:latin typeface="Cambria Math" panose="02040503050406030204" pitchFamily="18" charset="0"/>
+                        <a:ea typeface="Aptos" panose="020B0004020202020204" pitchFamily="34" charset="0"/>
+                        <a:cs typeface="Arial" panose="020B0604020202020204" pitchFamily="34" charset="0"/>
+                      </a:rPr>
+                      <m:t>)</m:t>
+                    </m:r>
+                  </m:oMath>
+                </a14:m>
+                <a:endParaRPr lang="en-US" dirty="0">
+                  <a:latin typeface="Times New Roman" panose="02020603050405020304" pitchFamily="18" charset="0"/>
+                  <a:cs typeface="Times New Roman" panose="02020603050405020304" pitchFamily="18" charset="0"/>
+                </a:endParaRPr>
+              </a:p>
+            </p:txBody>
+          </p:sp>
+        </mc:Choice>
+        <mc:Fallback xmlns="">
+          <p:sp>
+            <p:nvSpPr>
+              <p:cNvPr id="7" name="TextBox 6">
+                <a:extLst>
+                  <a:ext uri="{FF2B5EF4-FFF2-40B4-BE49-F238E27FC236}">
+                    <a16:creationId xmlns:a16="http://schemas.microsoft.com/office/drawing/2014/main" id="{D7DC3365-01B9-D670-9390-201F1B833E5E}"/>
+                  </a:ext>
+                </a:extLst>
+              </p:cNvPr>
+              <p:cNvSpPr txBox="1">
+                <a:spLocks noRot="1" noChangeAspect="1" noMove="1" noResize="1" noEditPoints="1" noAdjustHandles="1" noChangeArrowheads="1" noChangeShapeType="1" noTextEdit="1"/>
+              </p:cNvSpPr>
+              <p:nvPr/>
+            </p:nvSpPr>
+            <p:spPr>
+              <a:xfrm>
+                <a:off x="356436" y="269861"/>
+                <a:ext cx="8773298" cy="738664"/>
+              </a:xfrm>
+              <a:prstGeom prst="rect">
+                <a:avLst/>
+              </a:prstGeom>
+              <a:blipFill>
+                <a:blip r:embed="rId3"/>
+                <a:stretch>
+                  <a:fillRect l="-1010" t="-6780" b="-10169"/>
+                </a:stretch>
+              </a:blipFill>
+            </p:spPr>
+            <p:txBody>
+              <a:bodyPr/>
+              <a:lstStyle/>
+              <a:p>
+                <a:r>
+                  <a:rPr lang="en-US">
+                    <a:noFill/>
+                  </a:rPr>
+                  <a:t> </a:t>
+                </a:r>
+              </a:p>
+            </p:txBody>
+          </p:sp>
+        </mc:Fallback>
+      </mc:AlternateContent>
+      <p:sp>
+        <p:nvSpPr>
+          <p:cNvPr id="9" name="TextBox 8">
+            <a:extLst>
+              <a:ext uri="{FF2B5EF4-FFF2-40B4-BE49-F238E27FC236}">
+                <a16:creationId xmlns:a16="http://schemas.microsoft.com/office/drawing/2014/main" id="{5D6EB99F-25AB-B988-3B12-91C20BD45EA0}"/>
+              </a:ext>
+            </a:extLst>
+          </p:cNvPr>
+          <p:cNvSpPr txBox="1"/>
+          <p:nvPr/>
+        </p:nvSpPr>
+        <p:spPr>
+          <a:xfrm>
+            <a:off x="2349135" y="6034141"/>
+            <a:ext cx="1590977" cy="369332"/>
+          </a:xfrm>
+          <a:prstGeom prst="rect">
+            <a:avLst/>
+          </a:prstGeom>
+          <a:noFill/>
+        </p:spPr>
+        <p:txBody>
+          <a:bodyPr wrap="square" rtlCol="0">
+            <a:spAutoFit/>
+          </a:bodyPr>
+          <a:lstStyle/>
+          <a:p>
+            <a:r>
+              <a:rPr lang="en-US" dirty="0"/>
+              <a:t>Dosages</a:t>
+            </a:r>
+          </a:p>
+        </p:txBody>
+      </p:sp>
+      <p:sp>
+        <p:nvSpPr>
+          <p:cNvPr id="10" name="TextBox 9">
+            <a:extLst>
+              <a:ext uri="{FF2B5EF4-FFF2-40B4-BE49-F238E27FC236}">
+                <a16:creationId xmlns:a16="http://schemas.microsoft.com/office/drawing/2014/main" id="{3D90A7EB-8534-357E-6C2B-6D54AEDEEDBA}"/>
+              </a:ext>
+            </a:extLst>
+          </p:cNvPr>
+          <p:cNvSpPr txBox="1"/>
+          <p:nvPr/>
+        </p:nvSpPr>
+        <p:spPr>
+          <a:xfrm>
+            <a:off x="8251888" y="6034141"/>
+            <a:ext cx="1590977" cy="369332"/>
+          </a:xfrm>
+          <a:prstGeom prst="rect">
+            <a:avLst/>
+          </a:prstGeom>
+          <a:noFill/>
+        </p:spPr>
+        <p:txBody>
+          <a:bodyPr wrap="square" rtlCol="0">
+            <a:spAutoFit/>
+          </a:bodyPr>
+          <a:lstStyle/>
+          <a:p>
+            <a:r>
+              <a:rPr lang="en-US" dirty="0"/>
+              <a:t>Hard-Calls</a:t>
+            </a:r>
+          </a:p>
+        </p:txBody>
+      </p:sp>
+      <p:pic>
+        <p:nvPicPr>
+          <p:cNvPr id="3" name="Picture 2" descr="A graph with different colored lines&#10;&#10;AI-generated content may be incorrect.">
+            <a:extLst>
+              <a:ext uri="{FF2B5EF4-FFF2-40B4-BE49-F238E27FC236}">
+                <a16:creationId xmlns:a16="http://schemas.microsoft.com/office/drawing/2014/main" id="{8658B510-4620-F612-2A7C-E92B0668D0D1}"/>
+              </a:ext>
+            </a:extLst>
+          </p:cNvPr>
+          <p:cNvPicPr>
+            <a:picLocks noChangeAspect="1"/>
+          </p:cNvPicPr>
+          <p:nvPr/>
+        </p:nvPicPr>
+        <p:blipFill>
+          <a:blip r:embed="rId4"/>
+          <a:stretch>
+            <a:fillRect/>
+          </a:stretch>
+        </p:blipFill>
+        <p:spPr>
+          <a:xfrm>
+            <a:off x="6310528" y="1649379"/>
+            <a:ext cx="5308654" cy="4138375"/>
+          </a:xfrm>
+          <a:prstGeom prst="rect">
+            <a:avLst/>
+          </a:prstGeom>
+        </p:spPr>
+      </p:pic>
+      <p:pic>
+        <p:nvPicPr>
+          <p:cNvPr id="13" name="Picture 12" descr="A screen shot of a graph&#10;&#10;AI-generated content may be incorrect.">
+            <a:extLst>
+              <a:ext uri="{FF2B5EF4-FFF2-40B4-BE49-F238E27FC236}">
+                <a16:creationId xmlns:a16="http://schemas.microsoft.com/office/drawing/2014/main" id="{9F138658-2DEA-AFAC-7E62-97126AB5CC18}"/>
+              </a:ext>
+            </a:extLst>
+          </p:cNvPr>
+          <p:cNvPicPr>
+            <a:picLocks noChangeAspect="1"/>
+          </p:cNvPicPr>
+          <p:nvPr/>
+        </p:nvPicPr>
+        <p:blipFill>
+          <a:blip r:embed="rId5"/>
+          <a:stretch>
+            <a:fillRect/>
+          </a:stretch>
+        </p:blipFill>
+        <p:spPr>
+          <a:xfrm>
+            <a:off x="356436" y="1601061"/>
+            <a:ext cx="5432615" cy="4235009"/>
+          </a:xfrm>
+          <a:prstGeom prst="rect">
+            <a:avLst/>
+          </a:prstGeom>
+        </p:spPr>
+      </p:pic>
+    </p:spTree>
+    <p:extLst>
+      <p:ext uri="{BB962C8B-B14F-4D97-AF65-F5344CB8AC3E}">
+        <p14:creationId xmlns:p14="http://schemas.microsoft.com/office/powerpoint/2010/main" val="1598584995"/>
+      </p:ext>
+    </p:extLst>
+  </p:cSld>
+  <p:clrMapOvr>
+    <a:masterClrMapping/>
+  </p:clrMapOvr>
+</p:sld>
+</file>
+
+<file path=ppt/slides/slide12.xml><?xml version="1.0" encoding="utf-8"?>
+<p:sld xmlns:a="http://schemas.openxmlformats.org/drawingml/2006/main" xmlns:r="http://schemas.openxmlformats.org/officeDocument/2006/relationships" xmlns:p="http://schemas.openxmlformats.org/presentationml/2006/main">
+  <p:cSld>
+    <p:spTree>
+      <p:nvGrpSpPr>
+        <p:cNvPr id="1" name="">
+          <a:extLst>
+            <a:ext uri="{FF2B5EF4-FFF2-40B4-BE49-F238E27FC236}">
               <a16:creationId xmlns:a16="http://schemas.microsoft.com/office/drawing/2014/main" id="{F0083C4F-8E21-BB03-C21F-8B7223683103}"/>
             </a:ext>
           </a:extLst>
@@ -5561,8 +6157,8 @@
           <a:chExt cx="0" cy="0"/>
         </a:xfrm>
       </p:grpSpPr>
-      <mc:AlternateContent xmlns:mc="http://schemas.openxmlformats.org/markup-compatibility/2006">
-        <mc:Choice xmlns:a14="http://schemas.microsoft.com/office/drawing/2010/main" Requires="a14">
+      <mc:AlternateContent xmlns:mc="http://schemas.openxmlformats.org/markup-compatibility/2006" xmlns:a14="http://schemas.microsoft.com/office/drawing/2010/main">
+        <mc:Choice Requires="a14">
           <p:sp>
             <p:nvSpPr>
               <p:cNvPr id="2" name="Title 1">
@@ -5913,7 +6509,7 @@
             </p:txBody>
           </p:sp>
         </mc:Choice>
-        <mc:Fallback>
+        <mc:Fallback xmlns="">
           <p:sp>
             <p:nvSpPr>
               <p:cNvPr id="2" name="Title 1">
@@ -6028,602 +6624,6 @@
 </p:sld>
 </file>
 
-<file path=ppt/slides/slide12.xml><?xml version="1.0" encoding="utf-8"?>
-<p:sld xmlns:a="http://schemas.openxmlformats.org/drawingml/2006/main" xmlns:r="http://schemas.openxmlformats.org/officeDocument/2006/relationships" xmlns:p="http://schemas.openxmlformats.org/presentationml/2006/main">
-  <p:cSld>
-    <p:spTree>
-      <p:nvGrpSpPr>
-        <p:cNvPr id="1" name="">
-          <a:extLst>
-            <a:ext uri="{FF2B5EF4-FFF2-40B4-BE49-F238E27FC236}">
-              <a16:creationId xmlns:a16="http://schemas.microsoft.com/office/drawing/2014/main" id="{517E18DB-182E-D9AB-326D-DA7DB380F31B}"/>
-            </a:ext>
-          </a:extLst>
-        </p:cNvPr>
-        <p:cNvGrpSpPr/>
-        <p:nvPr/>
-      </p:nvGrpSpPr>
-      <p:grpSpPr>
-        <a:xfrm>
-          <a:off x="0" y="0"/>
-          <a:ext cx="0" cy="0"/>
-          <a:chOff x="0" y="0"/>
-          <a:chExt cx="0" cy="0"/>
-        </a:xfrm>
-      </p:grpSpPr>
-      <p:sp>
-        <p:nvSpPr>
-          <p:cNvPr id="8" name="TextBox 7">
-            <a:extLst>
-              <a:ext uri="{FF2B5EF4-FFF2-40B4-BE49-F238E27FC236}">
-                <a16:creationId xmlns:a16="http://schemas.microsoft.com/office/drawing/2014/main" id="{A8DE3592-4B8D-D31D-419F-D71023B5221D}"/>
-              </a:ext>
-            </a:extLst>
-          </p:cNvPr>
-          <p:cNvSpPr txBox="1"/>
-          <p:nvPr/>
-        </p:nvSpPr>
-        <p:spPr>
-          <a:xfrm>
-            <a:off x="638882" y="639193"/>
-            <a:ext cx="3571810" cy="3573516"/>
-          </a:xfrm>
-          <a:prstGeom prst="rect">
-            <a:avLst/>
-          </a:prstGeom>
-        </p:spPr>
-        <p:txBody>
-          <a:bodyPr vert="horz" lIns="91440" tIns="45720" rIns="91440" bIns="45720" rtlCol="0" anchor="b">
-            <a:normAutofit/>
-          </a:bodyPr>
-          <a:lstStyle/>
-          <a:p>
-            <a:pPr>
-              <a:lnSpc>
-                <a:spcPct val="90000"/>
-              </a:lnSpc>
-              <a:spcBef>
-                <a:spcPct val="0"/>
-              </a:spcBef>
-              <a:spcAft>
-                <a:spcPts val="600"/>
-              </a:spcAft>
-            </a:pPr>
-            <a:endParaRPr lang="en-US" sz="6600" kern="1200" dirty="0">
-              <a:solidFill>
-                <a:schemeClr val="tx1"/>
-              </a:solidFill>
-              <a:latin typeface="+mj-lt"/>
-              <a:ea typeface="+mj-ea"/>
-              <a:cs typeface="+mj-cs"/>
-            </a:endParaRPr>
-          </a:p>
-        </p:txBody>
-      </p:sp>
-      <mc:AlternateContent xmlns:mc="http://schemas.openxmlformats.org/markup-compatibility/2006">
-        <mc:Choice xmlns:a14="http://schemas.microsoft.com/office/drawing/2010/main" Requires="a14">
-          <p:sp>
-            <p:nvSpPr>
-              <p:cNvPr id="7" name="TextBox 6">
-                <a:extLst>
-                  <a:ext uri="{FF2B5EF4-FFF2-40B4-BE49-F238E27FC236}">
-                    <a16:creationId xmlns:a16="http://schemas.microsoft.com/office/drawing/2014/main" id="{D7DC3365-01B9-D670-9390-201F1B833E5E}"/>
-                  </a:ext>
-                </a:extLst>
-              </p:cNvPr>
-              <p:cNvSpPr txBox="1"/>
-              <p:nvPr/>
-            </p:nvSpPr>
-            <p:spPr>
-              <a:xfrm>
-                <a:off x="356436" y="269861"/>
-                <a:ext cx="8773298" cy="738664"/>
-              </a:xfrm>
-              <a:prstGeom prst="rect">
-                <a:avLst/>
-              </a:prstGeom>
-              <a:noFill/>
-            </p:spPr>
-            <p:txBody>
-              <a:bodyPr wrap="square" rtlCol="0">
-                <a:spAutoFit/>
-              </a:bodyPr>
-              <a:lstStyle/>
-              <a:p>
-                <a:r>
-                  <a:rPr lang="en-US" sz="2400" dirty="0">
-                    <a:latin typeface="Times New Roman" panose="02020603050405020304" pitchFamily="18" charset="0"/>
-                    <a:cs typeface="Times New Roman" panose="02020603050405020304" pitchFamily="18" charset="0"/>
-                  </a:rPr>
-                  <a:t>What if we use imputed dosages instead of hard-calls?</a:t>
-                </a:r>
-              </a:p>
-              <a:p>
-                <a:r>
-                  <a:rPr lang="en-US" dirty="0">
-                    <a:latin typeface="Times New Roman" panose="02020603050405020304" pitchFamily="18" charset="0"/>
-                    <a:cs typeface="Times New Roman" panose="02020603050405020304" pitchFamily="18" charset="0"/>
-                  </a:rPr>
-                  <a:t>Minus Models,  </a:t>
-                </a:r>
-                <a14:m>
-                  <m:oMath xmlns:m="http://schemas.openxmlformats.org/officeDocument/2006/math">
-                    <m:sSub>
-                      <m:sSubPr>
-                        <m:ctrlPr>
-                          <a:rPr lang="en-US" i="1" smtClean="0">
-                            <a:latin typeface="Cambria Math" panose="02040503050406030204" pitchFamily="18" charset="0"/>
-                            <a:ea typeface="Aptos" panose="020B0004020202020204" pitchFamily="34" charset="0"/>
-                            <a:cs typeface="Arial" panose="020B0604020202020204" pitchFamily="34" charset="0"/>
-                          </a:rPr>
-                        </m:ctrlPr>
-                      </m:sSubPr>
-                      <m:e>
-                        <m:r>
-                          <m:rPr>
-                            <m:sty m:val="p"/>
-                          </m:rPr>
-                          <a:rPr lang="en-US">
-                            <a:latin typeface="Cambria Math" panose="02040503050406030204" pitchFamily="18" charset="0"/>
-                            <a:ea typeface="Aptos" panose="020B0004020202020204" pitchFamily="34" charset="0"/>
-                            <a:cs typeface="Arial" panose="020B0604020202020204" pitchFamily="34" charset="0"/>
-                          </a:rPr>
-                          <m:t>g</m:t>
-                        </m:r>
-                      </m:e>
-                      <m:sub>
-                        <m:r>
-                          <m:rPr>
-                            <m:sty m:val="p"/>
-                          </m:rPr>
-                          <a:rPr lang="en-US">
-                            <a:latin typeface="Cambria Math" panose="02040503050406030204" pitchFamily="18" charset="0"/>
-                            <a:ea typeface="Aptos" panose="020B0004020202020204" pitchFamily="34" charset="0"/>
-                            <a:cs typeface="Arial" panose="020B0604020202020204" pitchFamily="34" charset="0"/>
-                          </a:rPr>
-                          <m:t>i</m:t>
-                        </m:r>
-                        <m:r>
-                          <a:rPr lang="en-US">
-                            <a:latin typeface="Cambria Math" panose="02040503050406030204" pitchFamily="18" charset="0"/>
-                            <a:ea typeface="Aptos" panose="020B0004020202020204" pitchFamily="34" charset="0"/>
-                            <a:cs typeface="Arial" panose="020B0604020202020204" pitchFamily="34" charset="0"/>
-                          </a:rPr>
-                          <m:t>1</m:t>
-                        </m:r>
-                      </m:sub>
-                    </m:sSub>
-                    <m:r>
-                      <a:rPr lang="en-US">
-                        <a:latin typeface="Cambria Math" panose="02040503050406030204" pitchFamily="18" charset="0"/>
-                        <a:ea typeface="Aptos" panose="020B0004020202020204" pitchFamily="34" charset="0"/>
-                        <a:cs typeface="Arial" panose="020B0604020202020204" pitchFamily="34" charset="0"/>
-                      </a:rPr>
-                      <m:t>−</m:t>
-                    </m:r>
-                    <m:sSub>
-                      <m:sSubPr>
-                        <m:ctrlPr>
-                          <a:rPr lang="en-US" i="1">
-                            <a:latin typeface="Cambria Math" panose="02040503050406030204" pitchFamily="18" charset="0"/>
-                            <a:ea typeface="Aptos" panose="020B0004020202020204" pitchFamily="34" charset="0"/>
-                            <a:cs typeface="Arial" panose="020B0604020202020204" pitchFamily="34" charset="0"/>
-                          </a:rPr>
-                        </m:ctrlPr>
-                      </m:sSubPr>
-                      <m:e>
-                        <m:r>
-                          <m:rPr>
-                            <m:sty m:val="p"/>
-                          </m:rPr>
-                          <a:rPr lang="en-US">
-                            <a:latin typeface="Cambria Math" panose="02040503050406030204" pitchFamily="18" charset="0"/>
-                            <a:ea typeface="Aptos" panose="020B0004020202020204" pitchFamily="34" charset="0"/>
-                            <a:cs typeface="Arial" panose="020B0604020202020204" pitchFamily="34" charset="0"/>
-                          </a:rPr>
-                          <m:t>g</m:t>
-                        </m:r>
-                      </m:e>
-                      <m:sub>
-                        <m:r>
-                          <m:rPr>
-                            <m:sty m:val="p"/>
-                          </m:rPr>
-                          <a:rPr lang="en-US">
-                            <a:latin typeface="Cambria Math" panose="02040503050406030204" pitchFamily="18" charset="0"/>
-                            <a:ea typeface="Aptos" panose="020B0004020202020204" pitchFamily="34" charset="0"/>
-                            <a:cs typeface="Arial" panose="020B0604020202020204" pitchFamily="34" charset="0"/>
-                          </a:rPr>
-                          <m:t>i</m:t>
-                        </m:r>
-                        <m:r>
-                          <a:rPr lang="en-US">
-                            <a:latin typeface="Cambria Math" panose="02040503050406030204" pitchFamily="18" charset="0"/>
-                            <a:ea typeface="Aptos" panose="020B0004020202020204" pitchFamily="34" charset="0"/>
-                            <a:cs typeface="Arial" panose="020B0604020202020204" pitchFamily="34" charset="0"/>
-                          </a:rPr>
-                          <m:t>2</m:t>
-                        </m:r>
-                      </m:sub>
-                    </m:sSub>
-                    <m:r>
-                      <a:rPr lang="en-US">
-                        <a:latin typeface="Cambria Math" panose="02040503050406030204" pitchFamily="18" charset="0"/>
-                        <a:ea typeface="Aptos" panose="020B0004020202020204" pitchFamily="34" charset="0"/>
-                        <a:cs typeface="Arial" panose="020B0604020202020204" pitchFamily="34" charset="0"/>
-                      </a:rPr>
-                      <m:t>=</m:t>
-                    </m:r>
-                    <m:r>
-                      <m:rPr>
-                        <m:sty m:val="p"/>
-                      </m:rPr>
-                      <a:rPr lang="en-US" b="0" i="0" smtClean="0">
-                        <a:latin typeface="Cambria Math" panose="02040503050406030204" pitchFamily="18" charset="0"/>
-                        <a:ea typeface="Aptos" panose="020B0004020202020204" pitchFamily="34" charset="0"/>
-                        <a:cs typeface="Arial" panose="020B0604020202020204" pitchFamily="34" charset="0"/>
-                      </a:rPr>
-                      <m:t>a</m:t>
-                    </m:r>
-                    <m:r>
-                      <a:rPr lang="en-US">
-                        <a:latin typeface="Cambria Math" panose="02040503050406030204" pitchFamily="18" charset="0"/>
-                        <a:ea typeface="Aptos" panose="020B0004020202020204" pitchFamily="34" charset="0"/>
-                        <a:cs typeface="Arial" panose="020B0604020202020204" pitchFamily="34" charset="0"/>
-                      </a:rPr>
-                      <m:t>+</m:t>
-                    </m:r>
-                    <m:r>
-                      <m:rPr>
-                        <m:sty m:val="p"/>
-                      </m:rPr>
-                      <a:rPr lang="en-US" b="0" i="0" smtClean="0">
-                        <a:latin typeface="Cambria Math" panose="02040503050406030204" pitchFamily="18" charset="0"/>
-                        <a:ea typeface="Aptos" panose="020B0004020202020204" pitchFamily="34" charset="0"/>
-                        <a:cs typeface="Arial" panose="020B0604020202020204" pitchFamily="34" charset="0"/>
-                      </a:rPr>
-                      <m:t>b</m:t>
-                    </m:r>
-                    <m:r>
-                      <a:rPr lang="en-US">
-                        <a:latin typeface="Cambria Math" panose="02040503050406030204" pitchFamily="18" charset="0"/>
-                        <a:ea typeface="Aptos" panose="020B0004020202020204" pitchFamily="34" charset="0"/>
-                        <a:cs typeface="Arial" panose="020B0604020202020204" pitchFamily="34" charset="0"/>
-                      </a:rPr>
-                      <m:t> (</m:t>
-                    </m:r>
-                    <m:sSub>
-                      <m:sSubPr>
-                        <m:ctrlPr>
-                          <a:rPr lang="en-US" i="1">
-                            <a:latin typeface="Cambria Math" panose="02040503050406030204" pitchFamily="18" charset="0"/>
-                            <a:ea typeface="Aptos" panose="020B0004020202020204" pitchFamily="34" charset="0"/>
-                            <a:cs typeface="Arial" panose="020B0604020202020204" pitchFamily="34" charset="0"/>
-                          </a:rPr>
-                        </m:ctrlPr>
-                      </m:sSubPr>
-                      <m:e>
-                        <m:acc>
-                          <m:accPr>
-                            <m:chr m:val="ˆ"/>
-                            <m:ctrlPr>
-                              <a:rPr lang="en-US" i="1">
-                                <a:latin typeface="Cambria Math" panose="02040503050406030204" pitchFamily="18" charset="0"/>
-                                <a:ea typeface="Aptos" panose="020B0004020202020204" pitchFamily="34" charset="0"/>
-                                <a:cs typeface="Arial" panose="020B0604020202020204" pitchFamily="34" charset="0"/>
-                              </a:rPr>
-                            </m:ctrlPr>
-                          </m:accPr>
-                          <m:e>
-                            <m:r>
-                              <m:rPr>
-                                <m:sty m:val="p"/>
-                              </m:rPr>
-                              <a:rPr lang="en-US">
-                                <a:latin typeface="Cambria Math" panose="02040503050406030204" pitchFamily="18" charset="0"/>
-                                <a:ea typeface="Aptos" panose="020B0004020202020204" pitchFamily="34" charset="0"/>
-                                <a:cs typeface="Arial" panose="020B0604020202020204" pitchFamily="34" charset="0"/>
-                              </a:rPr>
-                              <m:t>g</m:t>
-                            </m:r>
-                          </m:e>
-                        </m:acc>
-                      </m:e>
-                      <m:sub>
-                        <m:r>
-                          <m:rPr>
-                            <m:sty m:val="p"/>
-                          </m:rPr>
-                          <a:rPr lang="en-US">
-                            <a:latin typeface="Cambria Math" panose="02040503050406030204" pitchFamily="18" charset="0"/>
-                            <a:ea typeface="Aptos" panose="020B0004020202020204" pitchFamily="34" charset="0"/>
-                            <a:cs typeface="Arial" panose="020B0604020202020204" pitchFamily="34" charset="0"/>
-                          </a:rPr>
-                          <m:t>i</m:t>
-                        </m:r>
-                        <m:r>
-                          <a:rPr lang="en-US">
-                            <a:latin typeface="Cambria Math" panose="02040503050406030204" pitchFamily="18" charset="0"/>
-                            <a:ea typeface="Aptos" panose="020B0004020202020204" pitchFamily="34" charset="0"/>
-                            <a:cs typeface="Arial" panose="020B0604020202020204" pitchFamily="34" charset="0"/>
-                          </a:rPr>
-                          <m:t>1</m:t>
-                        </m:r>
-                      </m:sub>
-                    </m:sSub>
-                    <m:r>
-                      <a:rPr lang="en-US" b="0" i="0" smtClean="0">
-                        <a:latin typeface="Cambria Math" panose="02040503050406030204" pitchFamily="18" charset="0"/>
-                        <a:ea typeface="Aptos" panose="020B0004020202020204" pitchFamily="34" charset="0"/>
-                        <a:cs typeface="Arial" panose="020B0604020202020204" pitchFamily="34" charset="0"/>
-                      </a:rPr>
-                      <m:t>−</m:t>
-                    </m:r>
-                    <m:sSub>
-                      <m:sSubPr>
-                        <m:ctrlPr>
-                          <a:rPr lang="en-US" i="1">
-                            <a:latin typeface="Cambria Math" panose="02040503050406030204" pitchFamily="18" charset="0"/>
-                            <a:ea typeface="Aptos" panose="020B0004020202020204" pitchFamily="34" charset="0"/>
-                            <a:cs typeface="Arial" panose="020B0604020202020204" pitchFamily="34" charset="0"/>
-                          </a:rPr>
-                        </m:ctrlPr>
-                      </m:sSubPr>
-                      <m:e>
-                        <m:acc>
-                          <m:accPr>
-                            <m:chr m:val="ˆ"/>
-                            <m:ctrlPr>
-                              <a:rPr lang="en-US" i="1">
-                                <a:latin typeface="Cambria Math" panose="02040503050406030204" pitchFamily="18" charset="0"/>
-                                <a:ea typeface="Aptos" panose="020B0004020202020204" pitchFamily="34" charset="0"/>
-                                <a:cs typeface="Arial" panose="020B0604020202020204" pitchFamily="34" charset="0"/>
-                              </a:rPr>
-                            </m:ctrlPr>
-                          </m:accPr>
-                          <m:e>
-                            <m:r>
-                              <m:rPr>
-                                <m:sty m:val="p"/>
-                              </m:rPr>
-                              <a:rPr lang="en-US">
-                                <a:latin typeface="Cambria Math" panose="02040503050406030204" pitchFamily="18" charset="0"/>
-                                <a:ea typeface="Aptos" panose="020B0004020202020204" pitchFamily="34" charset="0"/>
-                                <a:cs typeface="Arial" panose="020B0604020202020204" pitchFamily="34" charset="0"/>
-                              </a:rPr>
-                              <m:t>g</m:t>
-                            </m:r>
-                          </m:e>
-                        </m:acc>
-                      </m:e>
-                      <m:sub>
-                        <m:r>
-                          <m:rPr>
-                            <m:sty m:val="p"/>
-                          </m:rPr>
-                          <a:rPr lang="en-US">
-                            <a:latin typeface="Cambria Math" panose="02040503050406030204" pitchFamily="18" charset="0"/>
-                            <a:ea typeface="Aptos" panose="020B0004020202020204" pitchFamily="34" charset="0"/>
-                            <a:cs typeface="Arial" panose="020B0604020202020204" pitchFamily="34" charset="0"/>
-                          </a:rPr>
-                          <m:t>i</m:t>
-                        </m:r>
-                        <m:r>
-                          <a:rPr lang="en-US">
-                            <a:latin typeface="Cambria Math" panose="02040503050406030204" pitchFamily="18" charset="0"/>
-                            <a:ea typeface="Aptos" panose="020B0004020202020204" pitchFamily="34" charset="0"/>
-                            <a:cs typeface="Arial" panose="020B0604020202020204" pitchFamily="34" charset="0"/>
-                          </a:rPr>
-                          <m:t>2</m:t>
-                        </m:r>
-                      </m:sub>
-                    </m:sSub>
-                    <m:r>
-                      <a:rPr lang="en-US">
-                        <a:latin typeface="Cambria Math" panose="02040503050406030204" pitchFamily="18" charset="0"/>
-                        <a:ea typeface="Aptos" panose="020B0004020202020204" pitchFamily="34" charset="0"/>
-                        <a:cs typeface="Arial" panose="020B0604020202020204" pitchFamily="34" charset="0"/>
-                      </a:rPr>
-                      <m:t>)</m:t>
-                    </m:r>
-                  </m:oMath>
-                </a14:m>
-                <a:endParaRPr lang="en-US" dirty="0">
-                  <a:latin typeface="Times New Roman" panose="02020603050405020304" pitchFamily="18" charset="0"/>
-                  <a:cs typeface="Times New Roman" panose="02020603050405020304" pitchFamily="18" charset="0"/>
-                </a:endParaRPr>
-              </a:p>
-            </p:txBody>
-          </p:sp>
-        </mc:Choice>
-        <mc:Fallback>
-          <p:sp>
-            <p:nvSpPr>
-              <p:cNvPr id="7" name="TextBox 6">
-                <a:extLst>
-                  <a:ext uri="{FF2B5EF4-FFF2-40B4-BE49-F238E27FC236}">
-                    <a16:creationId xmlns:a16="http://schemas.microsoft.com/office/drawing/2014/main" id="{D7DC3365-01B9-D670-9390-201F1B833E5E}"/>
-                  </a:ext>
-                </a:extLst>
-              </p:cNvPr>
-              <p:cNvSpPr txBox="1">
-                <a:spLocks noRot="1" noChangeAspect="1" noMove="1" noResize="1" noEditPoints="1" noAdjustHandles="1" noChangeArrowheads="1" noChangeShapeType="1" noTextEdit="1"/>
-              </p:cNvSpPr>
-              <p:nvPr/>
-            </p:nvSpPr>
-            <p:spPr>
-              <a:xfrm>
-                <a:off x="356436" y="269861"/>
-                <a:ext cx="8773298" cy="738664"/>
-              </a:xfrm>
-              <a:prstGeom prst="rect">
-                <a:avLst/>
-              </a:prstGeom>
-              <a:blipFill>
-                <a:blip r:embed="rId3"/>
-                <a:stretch>
-                  <a:fillRect l="-1010" t="-6780" b="-10169"/>
-                </a:stretch>
-              </a:blipFill>
-            </p:spPr>
-            <p:txBody>
-              <a:bodyPr/>
-              <a:lstStyle/>
-              <a:p>
-                <a:r>
-                  <a:rPr lang="en-US">
-                    <a:noFill/>
-                  </a:rPr>
-                  <a:t> </a:t>
-                </a:r>
-              </a:p>
-            </p:txBody>
-          </p:sp>
-        </mc:Fallback>
-      </mc:AlternateContent>
-      <p:sp>
-        <p:nvSpPr>
-          <p:cNvPr id="9" name="TextBox 8">
-            <a:extLst>
-              <a:ext uri="{FF2B5EF4-FFF2-40B4-BE49-F238E27FC236}">
-                <a16:creationId xmlns:a16="http://schemas.microsoft.com/office/drawing/2014/main" id="{5D6EB99F-25AB-B988-3B12-91C20BD45EA0}"/>
-              </a:ext>
-            </a:extLst>
-          </p:cNvPr>
-          <p:cNvSpPr txBox="1"/>
-          <p:nvPr/>
-        </p:nvSpPr>
-        <p:spPr>
-          <a:xfrm>
-            <a:off x="2349135" y="6034141"/>
-            <a:ext cx="1590977" cy="369332"/>
-          </a:xfrm>
-          <a:prstGeom prst="rect">
-            <a:avLst/>
-          </a:prstGeom>
-          <a:noFill/>
-        </p:spPr>
-        <p:txBody>
-          <a:bodyPr wrap="square" rtlCol="0">
-            <a:spAutoFit/>
-          </a:bodyPr>
-          <a:lstStyle/>
-          <a:p>
-            <a:r>
-              <a:rPr lang="en-US" dirty="0"/>
-              <a:t>Dosages</a:t>
-            </a:r>
-          </a:p>
-        </p:txBody>
-      </p:sp>
-      <p:sp>
-        <p:nvSpPr>
-          <p:cNvPr id="10" name="TextBox 9">
-            <a:extLst>
-              <a:ext uri="{FF2B5EF4-FFF2-40B4-BE49-F238E27FC236}">
-                <a16:creationId xmlns:a16="http://schemas.microsoft.com/office/drawing/2014/main" id="{3D90A7EB-8534-357E-6C2B-6D54AEDEEDBA}"/>
-              </a:ext>
-            </a:extLst>
-          </p:cNvPr>
-          <p:cNvSpPr txBox="1"/>
-          <p:nvPr/>
-        </p:nvSpPr>
-        <p:spPr>
-          <a:xfrm>
-            <a:off x="8251888" y="6034141"/>
-            <a:ext cx="1590977" cy="369332"/>
-          </a:xfrm>
-          <a:prstGeom prst="rect">
-            <a:avLst/>
-          </a:prstGeom>
-          <a:noFill/>
-        </p:spPr>
-        <p:txBody>
-          <a:bodyPr wrap="square" rtlCol="0">
-            <a:spAutoFit/>
-          </a:bodyPr>
-          <a:lstStyle/>
-          <a:p>
-            <a:r>
-              <a:rPr lang="en-US" dirty="0"/>
-              <a:t>Hard-Calls</a:t>
-            </a:r>
-          </a:p>
-        </p:txBody>
-      </p:sp>
-      <p:pic>
-        <p:nvPicPr>
-          <p:cNvPr id="3" name="Picture 2" descr="A graph with different colored lines&#10;&#10;AI-generated content may be incorrect.">
-            <a:extLst>
-              <a:ext uri="{FF2B5EF4-FFF2-40B4-BE49-F238E27FC236}">
-                <a16:creationId xmlns:a16="http://schemas.microsoft.com/office/drawing/2014/main" id="{8658B510-4620-F612-2A7C-E92B0668D0D1}"/>
-              </a:ext>
-            </a:extLst>
-          </p:cNvPr>
-          <p:cNvPicPr>
-            <a:picLocks noChangeAspect="1"/>
-          </p:cNvPicPr>
-          <p:nvPr/>
-        </p:nvPicPr>
-        <p:blipFill>
-          <a:blip r:embed="rId4"/>
-          <a:stretch>
-            <a:fillRect/>
-          </a:stretch>
-        </p:blipFill>
-        <p:spPr>
-          <a:xfrm>
-            <a:off x="6310528" y="1649379"/>
-            <a:ext cx="5308654" cy="4138375"/>
-          </a:xfrm>
-          <a:prstGeom prst="rect">
-            <a:avLst/>
-          </a:prstGeom>
-        </p:spPr>
-      </p:pic>
-      <p:pic>
-        <p:nvPicPr>
-          <p:cNvPr id="13" name="Picture 12" descr="A screen shot of a graph&#10;&#10;AI-generated content may be incorrect.">
-            <a:extLst>
-              <a:ext uri="{FF2B5EF4-FFF2-40B4-BE49-F238E27FC236}">
-                <a16:creationId xmlns:a16="http://schemas.microsoft.com/office/drawing/2014/main" id="{9F138658-2DEA-AFAC-7E62-97126AB5CC18}"/>
-              </a:ext>
-            </a:extLst>
-          </p:cNvPr>
-          <p:cNvPicPr>
-            <a:picLocks noChangeAspect="1"/>
-          </p:cNvPicPr>
-          <p:nvPr/>
-        </p:nvPicPr>
-        <p:blipFill>
-          <a:blip r:embed="rId5"/>
-          <a:stretch>
-            <a:fillRect/>
-          </a:stretch>
-        </p:blipFill>
-        <p:spPr>
-          <a:xfrm>
-            <a:off x="356436" y="1601061"/>
-            <a:ext cx="5432615" cy="4235009"/>
-          </a:xfrm>
-          <a:prstGeom prst="rect">
-            <a:avLst/>
-          </a:prstGeom>
-        </p:spPr>
-      </p:pic>
-    </p:spTree>
-    <p:extLst>
-      <p:ext uri="{BB962C8B-B14F-4D97-AF65-F5344CB8AC3E}">
-        <p14:creationId xmlns:p14="http://schemas.microsoft.com/office/powerpoint/2010/main" val="1598584995"/>
-      </p:ext>
-    </p:extLst>
-  </p:cSld>
-  <p:clrMapOvr>
-    <a:masterClrMapping/>
-  </p:clrMapOvr>
-</p:sld>
-</file>
-
 <file path=ppt/slides/slide13.xml><?xml version="1.0" encoding="utf-8"?>
 <p:sld xmlns:a="http://schemas.openxmlformats.org/drawingml/2006/main" xmlns:r="http://schemas.openxmlformats.org/officeDocument/2006/relationships" xmlns:p="http://schemas.openxmlformats.org/presentationml/2006/main">
   <p:cSld>
@@ -6696,8 +6696,8 @@
           </a:p>
         </p:txBody>
       </p:sp>
-      <mc:AlternateContent xmlns:mc="http://schemas.openxmlformats.org/markup-compatibility/2006">
-        <mc:Choice xmlns:a14="http://schemas.microsoft.com/office/drawing/2010/main" Requires="a14">
+      <mc:AlternateContent xmlns:mc="http://schemas.openxmlformats.org/markup-compatibility/2006" xmlns:a14="http://schemas.microsoft.com/office/drawing/2010/main">
+        <mc:Choice Requires="a14">
           <p:sp>
             <p:nvSpPr>
               <p:cNvPr id="7" name="TextBox 6">
@@ -7032,7 +7032,7 @@
             </p:txBody>
           </p:sp>
         </mc:Choice>
-        <mc:Fallback>
+        <mc:Fallback xmlns="">
           <p:sp>
             <p:nvSpPr>
               <p:cNvPr id="7" name="TextBox 6">
@@ -7237,8 +7237,8 @@
           <a:chExt cx="0" cy="0"/>
         </a:xfrm>
       </p:grpSpPr>
-      <mc:AlternateContent xmlns:mc="http://schemas.openxmlformats.org/markup-compatibility/2006">
-        <mc:Choice xmlns:a14="http://schemas.microsoft.com/office/drawing/2010/main" Requires="a14">
+      <mc:AlternateContent xmlns:mc="http://schemas.openxmlformats.org/markup-compatibility/2006" xmlns:a14="http://schemas.microsoft.com/office/drawing/2010/main">
+        <mc:Choice Requires="a14">
           <p:sp>
             <p:nvSpPr>
               <p:cNvPr id="2" name="Title 1">
@@ -7576,7 +7576,7 @@
             </p:txBody>
           </p:sp>
         </mc:Choice>
-        <mc:Fallback>
+        <mc:Fallback xmlns="">
           <p:sp>
             <p:nvSpPr>
               <p:cNvPr id="2" name="Title 1">
@@ -7684,8 +7684,8 @@
           <a:chExt cx="0" cy="0"/>
         </a:xfrm>
       </p:grpSpPr>
-      <mc:AlternateContent xmlns:mc="http://schemas.openxmlformats.org/markup-compatibility/2006">
-        <mc:Choice xmlns:a14="http://schemas.microsoft.com/office/drawing/2010/main" Requires="a14">
+      <mc:AlternateContent xmlns:mc="http://schemas.openxmlformats.org/markup-compatibility/2006" xmlns:a14="http://schemas.microsoft.com/office/drawing/2010/main">
+        <mc:Choice Requires="a14">
           <p:sp>
             <p:nvSpPr>
               <p:cNvPr id="2" name="Title 1">
@@ -8023,7 +8023,7 @@
             </p:txBody>
           </p:sp>
         </mc:Choice>
-        <mc:Fallback>
+        <mc:Fallback xmlns="">
           <p:sp>
             <p:nvSpPr>
               <p:cNvPr id="2" name="Title 1">
@@ -8139,8 +8139,8 @@
           <a:chExt cx="0" cy="0"/>
         </a:xfrm>
       </p:grpSpPr>
-      <mc:AlternateContent xmlns:mc="http://schemas.openxmlformats.org/markup-compatibility/2006">
-        <mc:Choice xmlns:a14="http://schemas.microsoft.com/office/drawing/2010/main" Requires="a14">
+      <mc:AlternateContent xmlns:mc="http://schemas.openxmlformats.org/markup-compatibility/2006" xmlns:a14="http://schemas.microsoft.com/office/drawing/2010/main">
+        <mc:Choice Requires="a14">
           <p:sp>
             <p:nvSpPr>
               <p:cNvPr id="2" name="Title 1">
@@ -8278,7 +8278,7 @@
             </p:txBody>
           </p:sp>
         </mc:Choice>
-        <mc:Fallback>
+        <mc:Fallback xmlns="">
           <p:sp>
             <p:nvSpPr>
               <p:cNvPr id="2" name="Title 1">
@@ -8381,8 +8381,8 @@
           <a:chExt cx="0" cy="0"/>
         </a:xfrm>
       </p:grpSpPr>
-      <mc:AlternateContent xmlns:mc="http://schemas.openxmlformats.org/markup-compatibility/2006">
-        <mc:Choice xmlns:a14="http://schemas.microsoft.com/office/drawing/2010/main" Requires="a14">
+      <mc:AlternateContent xmlns:mc="http://schemas.openxmlformats.org/markup-compatibility/2006" xmlns:a14="http://schemas.microsoft.com/office/drawing/2010/main">
+        <mc:Choice Requires="a14">
           <p:sp>
             <p:nvSpPr>
               <p:cNvPr id="2" name="Title 1">
@@ -8532,7 +8532,7 @@
             </p:txBody>
           </p:sp>
         </mc:Choice>
-        <mc:Fallback>
+        <mc:Fallback xmlns="">
           <p:sp>
             <p:nvSpPr>
               <p:cNvPr id="2" name="Title 1">
@@ -8634,8 +8634,8 @@
           <a:chExt cx="0" cy="0"/>
         </a:xfrm>
       </p:grpSpPr>
-      <mc:AlternateContent xmlns:mc="http://schemas.openxmlformats.org/markup-compatibility/2006">
-        <mc:Choice xmlns:a14="http://schemas.microsoft.com/office/drawing/2010/main" Requires="a14">
+      <mc:AlternateContent xmlns:mc="http://schemas.openxmlformats.org/markup-compatibility/2006" xmlns:a14="http://schemas.microsoft.com/office/drawing/2010/main">
+        <mc:Choice Requires="a14">
           <p:sp>
             <p:nvSpPr>
               <p:cNvPr id="2" name="Title 1">
@@ -8672,7 +8672,7 @@
                       <m:sSub>
                         <m:sSubPr>
                           <m:ctrlPr>
-                            <a:rPr lang="en-US" sz="4400" kern="1200" smtClean="0">
+                            <a:rPr lang="en-US" sz="4400" i="1" kern="1200" smtClean="0">
                               <a:solidFill>
                                 <a:schemeClr val="tx1"/>
                               </a:solidFill>
@@ -8793,7 +8793,7 @@
                       <m:sSub>
                         <m:sSubPr>
                           <m:ctrlPr>
-                            <a:rPr lang="en-US" sz="4400" kern="1200">
+                            <a:rPr lang="en-US" sz="4400" i="1" kern="1200">
                               <a:solidFill>
                                 <a:schemeClr val="tx1"/>
                               </a:solidFill>
@@ -8806,7 +8806,7 @@
                             <m:accPr>
                               <m:chr m:val="ˆ"/>
                               <m:ctrlPr>
-                                <a:rPr lang="en-US" sz="4400" kern="1200">
+                                <a:rPr lang="en-US" sz="4400" i="1" kern="1200">
                                   <a:solidFill>
                                     <a:schemeClr val="tx1"/>
                                   </a:solidFill>
@@ -8868,7 +8868,7 @@
             </p:txBody>
           </p:sp>
         </mc:Choice>
-        <mc:Fallback>
+        <mc:Fallback xmlns="">
           <p:sp>
             <p:nvSpPr>
               <p:cNvPr id="2" name="Title 1">
@@ -9039,74 +9039,273 @@
           </a:p>
         </p:txBody>
       </p:sp>
-      <p:sp>
-        <p:nvSpPr>
-          <p:cNvPr id="2" name="Title 1">
-            <a:extLst>
-              <a:ext uri="{FF2B5EF4-FFF2-40B4-BE49-F238E27FC236}">
-                <a16:creationId xmlns:a16="http://schemas.microsoft.com/office/drawing/2014/main" id="{B57325D4-FC2D-D474-A9CB-F55CF904BB73}"/>
-              </a:ext>
-            </a:extLst>
-          </p:cNvPr>
-          <p:cNvSpPr>
-            <a:spLocks noGrp="1"/>
-          </p:cNvSpPr>
-          <p:nvPr>
-            <p:ph type="title"/>
-          </p:nvPr>
-        </p:nvSpPr>
-        <p:spPr>
-          <a:xfrm>
-            <a:off x="640080" y="325369"/>
-            <a:ext cx="4368602" cy="1956841"/>
-          </a:xfrm>
-        </p:spPr>
-        <p:txBody>
-          <a:bodyPr anchor="b">
-            <a:normAutofit/>
-          </a:bodyPr>
-          <a:lstStyle/>
-          <a:p>
-            <a:r>
-              <a:rPr lang="en-US" sz="3000" b="1" i="1" kern="100">
-                <a:effectLst/>
-                <a:latin typeface="Aptos" panose="020B0004020202020204" pitchFamily="34" charset="0"/>
-                <a:ea typeface="Aptos" panose="020B0004020202020204" pitchFamily="34" charset="0"/>
-                <a:cs typeface="Arial" panose="020B0604020202020204" pitchFamily="34" charset="0"/>
-              </a:rPr>
-              <a:t>INFO score vs </a:t>
-            </a:r>
-            <a:r>
-              <a:rPr lang="en-US" sz="3000" b="1" i="1" kern="100">
-                <a:effectLst/>
-                <a:latin typeface="Times New Roman" panose="02020603050405020304" pitchFamily="18" charset="0"/>
-                <a:ea typeface="Aptos" panose="020B0004020202020204" pitchFamily="34" charset="0"/>
-                <a:cs typeface="Arial" panose="020B0604020202020204" pitchFamily="34" charset="0"/>
-              </a:rPr>
-              <a:t>R</a:t>
-            </a:r>
-            <a:r>
-              <a:rPr lang="en-US" sz="3000" b="1" i="1" kern="100" baseline="30000">
-                <a:effectLst/>
-                <a:latin typeface="Times New Roman" panose="02020603050405020304" pitchFamily="18" charset="0"/>
-                <a:ea typeface="Aptos" panose="020B0004020202020204" pitchFamily="34" charset="0"/>
-                <a:cs typeface="Arial" panose="020B0604020202020204" pitchFamily="34" charset="0"/>
-              </a:rPr>
-              <a:t>2</a:t>
-            </a:r>
-            <a:r>
-              <a:rPr lang="en-US" sz="3000" b="1" i="1" kern="100">
-                <a:effectLst/>
-                <a:latin typeface="Aptos" panose="020B0004020202020204" pitchFamily="34" charset="0"/>
-                <a:ea typeface="Aptos" panose="020B0004020202020204" pitchFamily="34" charset="0"/>
-                <a:cs typeface="Arial" panose="020B0604020202020204" pitchFamily="34" charset="0"/>
-              </a:rPr>
-              <a:t> between imputed and WGS data in UK Biobank.</a:t>
-            </a:r>
-            <a:endParaRPr lang="en-US" sz="3000"/>
-          </a:p>
-        </p:txBody>
-      </p:sp>
+      <mc:AlternateContent xmlns:mc="http://schemas.openxmlformats.org/markup-compatibility/2006">
+        <mc:Choice xmlns:a14="http://schemas.microsoft.com/office/drawing/2010/main" Requires="a14">
+          <p:sp>
+            <p:nvSpPr>
+              <p:cNvPr id="2" name="Title 1">
+                <a:extLst>
+                  <a:ext uri="{FF2B5EF4-FFF2-40B4-BE49-F238E27FC236}">
+                    <a16:creationId xmlns:a16="http://schemas.microsoft.com/office/drawing/2014/main" id="{B57325D4-FC2D-D474-A9CB-F55CF904BB73}"/>
+                  </a:ext>
+                </a:extLst>
+              </p:cNvPr>
+              <p:cNvSpPr>
+                <a:spLocks noGrp="1"/>
+              </p:cNvSpPr>
+              <p:nvPr>
+                <p:ph type="title"/>
+              </p:nvPr>
+            </p:nvSpPr>
+            <p:spPr>
+              <a:xfrm>
+                <a:off x="640080" y="325369"/>
+                <a:ext cx="4368602" cy="1956841"/>
+              </a:xfrm>
+            </p:spPr>
+            <p:txBody>
+              <a:bodyPr anchor="b">
+                <a:normAutofit/>
+              </a:bodyPr>
+              <a:lstStyle/>
+              <a:p>
+                <a:r>
+                  <a:rPr lang="en-US" sz="3000" b="1" i="1" kern="100" dirty="0">
+                    <a:effectLst/>
+                    <a:latin typeface="Aptos" panose="020B0004020202020204" pitchFamily="34" charset="0"/>
+                    <a:ea typeface="Aptos" panose="020B0004020202020204" pitchFamily="34" charset="0"/>
+                    <a:cs typeface="Arial" panose="020B0604020202020204" pitchFamily="34" charset="0"/>
+                  </a:rPr>
+                  <a:t>INFO score vs </a:t>
+                </a:r>
+                <a:r>
+                  <a:rPr lang="en-US" sz="3000" b="1" i="1" kern="100" dirty="0">
+                    <a:effectLst/>
+                    <a:latin typeface="Times New Roman" panose="02020603050405020304" pitchFamily="18" charset="0"/>
+                    <a:ea typeface="Aptos" panose="020B0004020202020204" pitchFamily="34" charset="0"/>
+                    <a:cs typeface="Arial" panose="020B0604020202020204" pitchFamily="34" charset="0"/>
+                  </a:rPr>
+                  <a:t>R</a:t>
+                </a:r>
+                <a:r>
+                  <a:rPr lang="en-US" sz="3000" b="1" i="1" kern="100" baseline="30000" dirty="0">
+                    <a:effectLst/>
+                    <a:latin typeface="Times New Roman" panose="02020603050405020304" pitchFamily="18" charset="0"/>
+                    <a:ea typeface="Aptos" panose="020B0004020202020204" pitchFamily="34" charset="0"/>
+                    <a:cs typeface="Arial" panose="020B0604020202020204" pitchFamily="34" charset="0"/>
+                  </a:rPr>
+                  <a:t>2</a:t>
+                </a:r>
+                <a:r>
+                  <a:rPr lang="en-US" sz="3000" b="1" i="1" kern="100" dirty="0">
+                    <a:effectLst/>
+                    <a:latin typeface="Aptos" panose="020B0004020202020204" pitchFamily="34" charset="0"/>
+                    <a:ea typeface="Aptos" panose="020B0004020202020204" pitchFamily="34" charset="0"/>
+                    <a:cs typeface="Arial" panose="020B0604020202020204" pitchFamily="34" charset="0"/>
+                  </a:rPr>
+                  <a:t> between imputed and WGS data in UK Biobank.</a:t>
+                </a:r>
+                <a:r>
+                  <a:rPr lang="en-US" sz="3200" kern="1200" dirty="0">
+                    <a:solidFill>
+                      <a:schemeClr val="tx1"/>
+                    </a:solidFill>
+                  </a:rPr>
+                  <a:t> </a:t>
+                </a:r>
+                <a14:m>
+                  <m:oMath xmlns:m="http://schemas.openxmlformats.org/officeDocument/2006/math">
+                    <m:sSub>
+                      <m:sSubPr>
+                        <m:ctrlPr>
+                          <a:rPr lang="en-US" sz="3200" i="1" kern="1200" smtClean="0">
+                            <a:solidFill>
+                              <a:schemeClr val="tx1"/>
+                            </a:solidFill>
+                            <a:latin typeface="Cambria Math" panose="02040503050406030204" pitchFamily="18" charset="0"/>
+                          </a:rPr>
+                        </m:ctrlPr>
+                      </m:sSubPr>
+                      <m:e>
+                        <m:r>
+                          <a:rPr lang="en-US" sz="3200" b="0" i="0" kern="1200" smtClean="0">
+                            <a:solidFill>
+                              <a:schemeClr val="tx1"/>
+                            </a:solidFill>
+                            <a:latin typeface="Cambria Math" panose="02040503050406030204" pitchFamily="18" charset="0"/>
+                          </a:rPr>
+                          <m:t>(</m:t>
+                        </m:r>
+                        <m:r>
+                          <m:rPr>
+                            <m:sty m:val="p"/>
+                          </m:rPr>
+                          <a:rPr lang="en-US" sz="3200" i="0" kern="1200">
+                            <a:solidFill>
+                              <a:schemeClr val="tx1"/>
+                            </a:solidFill>
+                            <a:latin typeface="Cambria Math" panose="02040503050406030204" pitchFamily="18" charset="0"/>
+                          </a:rPr>
+                          <m:t>g</m:t>
+                        </m:r>
+                      </m:e>
+                      <m:sub>
+                        <m:r>
+                          <m:rPr>
+                            <m:sty m:val="p"/>
+                          </m:rPr>
+                          <a:rPr lang="en-US" sz="3200" b="0" i="0" kern="1200">
+                            <a:solidFill>
+                              <a:schemeClr val="tx1"/>
+                            </a:solidFill>
+                            <a:latin typeface="Cambria Math" panose="02040503050406030204" pitchFamily="18" charset="0"/>
+                          </a:rPr>
+                          <m:t>i</m:t>
+                        </m:r>
+                        <m:r>
+                          <a:rPr lang="en-US" sz="3200" i="0" kern="1200">
+                            <a:solidFill>
+                              <a:schemeClr val="tx1"/>
+                            </a:solidFill>
+                            <a:latin typeface="Cambria Math" panose="02040503050406030204" pitchFamily="18" charset="0"/>
+                          </a:rPr>
+                          <m:t>1</m:t>
+                        </m:r>
+                      </m:sub>
+                    </m:sSub>
+                    <m:r>
+                      <a:rPr lang="en-US" sz="3200" b="0" i="0" kern="1200">
+                        <a:solidFill>
+                          <a:schemeClr val="tx1"/>
+                        </a:solidFill>
+                        <a:latin typeface="Cambria Math" panose="02040503050406030204" pitchFamily="18" charset="0"/>
+                      </a:rPr>
+                      <m:t>~</m:t>
+                    </m:r>
+                    <m:sSub>
+                      <m:sSubPr>
+                        <m:ctrlPr>
+                          <a:rPr lang="en-US" sz="3200" i="1" kern="1200">
+                            <a:solidFill>
+                              <a:schemeClr val="tx1"/>
+                            </a:solidFill>
+                            <a:latin typeface="Cambria Math" panose="02040503050406030204" pitchFamily="18" charset="0"/>
+                          </a:rPr>
+                        </m:ctrlPr>
+                      </m:sSubPr>
+                      <m:e>
+                        <m:acc>
+                          <m:accPr>
+                            <m:chr m:val="ˆ"/>
+                            <m:ctrlPr>
+                              <a:rPr lang="en-US" sz="3200" i="1" kern="1200">
+                                <a:solidFill>
+                                  <a:schemeClr val="tx1"/>
+                                </a:solidFill>
+                                <a:latin typeface="Cambria Math" panose="02040503050406030204" pitchFamily="18" charset="0"/>
+                              </a:rPr>
+                            </m:ctrlPr>
+                          </m:accPr>
+                          <m:e>
+                            <m:r>
+                              <m:rPr>
+                                <m:sty m:val="p"/>
+                              </m:rPr>
+                              <a:rPr lang="en-US" sz="3200" i="0" kern="1200">
+                                <a:solidFill>
+                                  <a:schemeClr val="tx1"/>
+                                </a:solidFill>
+                                <a:latin typeface="Cambria Math" panose="02040503050406030204" pitchFamily="18" charset="0"/>
+                              </a:rPr>
+                              <m:t>g</m:t>
+                            </m:r>
+                          </m:e>
+                        </m:acc>
+                      </m:e>
+                      <m:sub>
+                        <m:r>
+                          <m:rPr>
+                            <m:sty m:val="p"/>
+                          </m:rPr>
+                          <a:rPr lang="en-US" sz="3200" b="0" i="0" kern="1200">
+                            <a:solidFill>
+                              <a:schemeClr val="tx1"/>
+                            </a:solidFill>
+                            <a:latin typeface="Cambria Math" panose="02040503050406030204" pitchFamily="18" charset="0"/>
+                          </a:rPr>
+                          <m:t>i</m:t>
+                        </m:r>
+                        <m:r>
+                          <a:rPr lang="en-US" sz="3200" b="0" i="0" kern="1200">
+                            <a:solidFill>
+                              <a:schemeClr val="tx1"/>
+                            </a:solidFill>
+                            <a:latin typeface="Cambria Math" panose="02040503050406030204" pitchFamily="18" charset="0"/>
+                          </a:rPr>
+                          <m:t>1</m:t>
+                        </m:r>
+                      </m:sub>
+                    </m:sSub>
+                    <m:r>
+                      <a:rPr lang="en-US" sz="3200" b="0" i="1" kern="1200" smtClean="0">
+                        <a:solidFill>
+                          <a:schemeClr val="tx1"/>
+                        </a:solidFill>
+                        <a:latin typeface="Cambria Math" panose="02040503050406030204" pitchFamily="18" charset="0"/>
+                      </a:rPr>
+                      <m:t>)</m:t>
+                    </m:r>
+                  </m:oMath>
+                </a14:m>
+                <a:endParaRPr lang="en-US" sz="3000" dirty="0"/>
+              </a:p>
+            </p:txBody>
+          </p:sp>
+        </mc:Choice>
+        <mc:Fallback>
+          <p:sp>
+            <p:nvSpPr>
+              <p:cNvPr id="2" name="Title 1">
+                <a:extLst>
+                  <a:ext uri="{FF2B5EF4-FFF2-40B4-BE49-F238E27FC236}">
+                    <a16:creationId xmlns:a16="http://schemas.microsoft.com/office/drawing/2014/main" id="{B57325D4-FC2D-D474-A9CB-F55CF904BB73}"/>
+                  </a:ext>
+                </a:extLst>
+              </p:cNvPr>
+              <p:cNvSpPr>
+                <a:spLocks noGrp="1" noRot="1" noChangeAspect="1" noMove="1" noResize="1" noEditPoints="1" noAdjustHandles="1" noChangeArrowheads="1" noChangeShapeType="1" noTextEdit="1"/>
+              </p:cNvSpPr>
+              <p:nvPr>
+                <p:ph type="title"/>
+              </p:nvPr>
+            </p:nvSpPr>
+            <p:spPr>
+              <a:xfrm>
+                <a:off x="640080" y="325369"/>
+                <a:ext cx="4368602" cy="1956841"/>
+              </a:xfrm>
+              <a:blipFill>
+                <a:blip r:embed="rId2"/>
+                <a:stretch>
+                  <a:fillRect l="-3188" b="-9032"/>
+                </a:stretch>
+              </a:blipFill>
+            </p:spPr>
+            <p:txBody>
+              <a:bodyPr/>
+              <a:lstStyle/>
+              <a:p>
+                <a:r>
+                  <a:rPr lang="en-US">
+                    <a:noFill/>
+                  </a:rPr>
+                  <a:t> </a:t>
+                </a:r>
+              </a:p>
+            </p:txBody>
+          </p:sp>
+        </mc:Fallback>
+      </mc:AlternateContent>
       <p:sp>
         <p:nvSpPr>
           <p:cNvPr id="15" name="sketchy line">
@@ -9457,7 +9656,7 @@
           <p:nvPr/>
         </p:nvPicPr>
         <p:blipFill>
-          <a:blip r:embed="rId2"/>
+          <a:blip r:embed="rId3"/>
           <a:stretch>
             <a:fillRect/>
           </a:stretch>
@@ -9968,7 +10167,7 @@
                 <a:latin typeface="Times New Roman" panose="02020603050405020304" pitchFamily="18" charset="0"/>
                 <a:cs typeface="Times New Roman" panose="02020603050405020304" pitchFamily="18" charset="0"/>
               </a:rPr>
-              <a:t>We are going to extend the analysis to a larger set of SNPs across a range of Info Scores.</a:t>
+              <a:t>We are going to extend the analysis to a larger set of SNPs across a range of INCO scores to increase power.</a:t>
             </a:r>
           </a:p>
           <a:p>
@@ -11951,8 +12150,8 @@
           </a:p>
         </p:txBody>
       </p:sp>
-      <mc:AlternateContent xmlns:mc="http://schemas.openxmlformats.org/markup-compatibility/2006" xmlns:a14="http://schemas.microsoft.com/office/drawing/2010/main">
-        <mc:Choice Requires="a14">
+      <mc:AlternateContent xmlns:mc="http://schemas.openxmlformats.org/markup-compatibility/2006">
+        <mc:Choice xmlns:a14="http://schemas.microsoft.com/office/drawing/2010/main" Requires="a14">
           <p:sp>
             <p:nvSpPr>
               <p:cNvPr id="3" name="Content Placeholder 2">
@@ -12542,7 +12741,7 @@
                 </a:endParaRPr>
               </a:p>
               <a:p>
-                <a:pPr marL="0" indent="0">
+                <a:pPr marL="0" indent="0" algn="ctr">
                   <a:lnSpc>
                     <a:spcPts val="1200"/>
                   </a:lnSpc>
@@ -12947,23 +13146,12 @@
                     </m:oMath>
                   </m:oMathPara>
                 </a14:m>
-                <a:endParaRPr lang="en-US" sz="1800" dirty="0">
-                  <a:effectLst/>
-                  <a:latin typeface="Georgia" panose="02040502050405020303" pitchFamily="18" charset="0"/>
-                  <a:ea typeface="Aptos" panose="020B0004020202020204" pitchFamily="34" charset="0"/>
-                  <a:cs typeface="Arial" panose="020B0604020202020204" pitchFamily="34" charset="0"/>
-                </a:endParaRPr>
-              </a:p>
-              <a:p>
-                <a:pPr marL="0" indent="0">
-                  <a:buNone/>
-                </a:pPr>
                 <a:endParaRPr lang="en-US" dirty="0"/>
               </a:p>
             </p:txBody>
           </p:sp>
         </mc:Choice>
-        <mc:Fallback xmlns="">
+        <mc:Fallback>
           <p:sp>
             <p:nvSpPr>
               <p:cNvPr id="3" name="Content Placeholder 2">
